--- a/1introduction/机器学习课后阅读补充.pptx
+++ b/1introduction/机器学习课后阅读补充.pptx
@@ -6,13 +6,12 @@
   </p:sldMasterIdLst>
   <p:sldIdLst>
     <p:sldId id="324" r:id="rId2"/>
-    <p:sldId id="325" r:id="rId3"/>
-    <p:sldId id="326" r:id="rId4"/>
-    <p:sldId id="327" r:id="rId5"/>
-    <p:sldId id="328" r:id="rId6"/>
-    <p:sldId id="329" r:id="rId7"/>
-    <p:sldId id="330" r:id="rId8"/>
-    <p:sldId id="331" r:id="rId9"/>
+    <p:sldId id="326" r:id="rId3"/>
+    <p:sldId id="327" r:id="rId4"/>
+    <p:sldId id="328" r:id="rId5"/>
+    <p:sldId id="329" r:id="rId6"/>
+    <p:sldId id="330" r:id="rId7"/>
+    <p:sldId id="331" r:id="rId8"/>
   </p:sldIdLst>
   <p:sldSz cx="12192000" cy="6858000"/>
   <p:notesSz cx="6858000" cy="9144000"/>
@@ -111,6 +110,11 @@
       </a:defRPr>
     </a:lvl9pPr>
   </p:defaultTextStyle>
+  <p:extLst>
+    <p:ext uri="{EFAFB233-063F-42B5-8137-9DF3F51BA10A}">
+      <p15:sldGuideLst xmlns:p15="http://schemas.microsoft.com/office/powerpoint/2012/main"/>
+    </p:ext>
+  </p:extLst>
 </p:presentation>
 </file>
 
@@ -3456,178 +3460,6 @@
             <p:ph type="title"/>
           </p:nvPr>
         </p:nvSpPr>
-        <p:spPr/>
-        <p:txBody>
-          <a:bodyPr/>
-          <a:lstStyle/>
-          <a:p>
-            <a:r>
-              <a:rPr lang="zh-CN" altLang="en-US" dirty="0"/>
-              <a:t>非监督式机器学习</a:t>
-            </a:r>
-            <a:r>
-              <a:rPr lang="en-US" altLang="zh-CN" dirty="0"/>
-              <a:t>(</a:t>
-            </a:r>
-            <a:r>
-              <a:rPr lang="zh-CN" altLang="en-US" dirty="0"/>
-              <a:t>聚类</a:t>
-            </a:r>
-            <a:r>
-              <a:rPr lang="en-US" altLang="zh-CN" dirty="0"/>
-              <a:t>)</a:t>
-            </a:r>
-            <a:endParaRPr lang="en-US" dirty="0"/>
-          </a:p>
-        </p:txBody>
-      </p:sp>
-      <p:sp>
-        <p:nvSpPr>
-          <p:cNvPr id="3" name="Content Placeholder 2"/>
-          <p:cNvSpPr>
-            <a:spLocks noGrp="1"/>
-          </p:cNvSpPr>
-          <p:nvPr>
-            <p:ph idx="1"/>
-          </p:nvPr>
-        </p:nvSpPr>
-        <p:spPr/>
-        <p:txBody>
-          <a:bodyPr/>
-          <a:lstStyle/>
-          <a:p>
-            <a:r>
-              <a:rPr lang="zh-CN" altLang="en-US" dirty="0"/>
-              <a:t>应用领域</a:t>
-            </a:r>
-            <a:endParaRPr lang="en-US" altLang="zh-CN" dirty="0"/>
-          </a:p>
-          <a:p>
-            <a:pPr lvl="1"/>
-            <a:r>
-              <a:rPr lang="zh-CN" altLang="en-US" dirty="0"/>
-              <a:t>客户分类</a:t>
-            </a:r>
-            <a:r>
-              <a:rPr lang="en-US" altLang="zh-CN" dirty="0"/>
-              <a:t>(</a:t>
-            </a:r>
-            <a:r>
-              <a:rPr lang="zh-CN" altLang="en-US" dirty="0"/>
-              <a:t>市场研究</a:t>
-            </a:r>
-            <a:r>
-              <a:rPr lang="en-US" altLang="zh-CN" dirty="0"/>
-              <a:t>)</a:t>
-            </a:r>
-          </a:p>
-          <a:p>
-            <a:pPr lvl="1"/>
-            <a:r>
-              <a:rPr lang="zh-CN" altLang="en-US" dirty="0"/>
-              <a:t>用户分组</a:t>
-            </a:r>
-            <a:r>
-              <a:rPr lang="en-US" altLang="zh-CN" dirty="0"/>
-              <a:t>(</a:t>
-            </a:r>
-            <a:r>
-              <a:rPr lang="zh-CN" altLang="en-US" dirty="0"/>
-              <a:t>社交网络</a:t>
-            </a:r>
-            <a:r>
-              <a:rPr lang="en-US" altLang="zh-CN" dirty="0"/>
-              <a:t>)</a:t>
-            </a:r>
-          </a:p>
-          <a:p>
-            <a:pPr lvl="1"/>
-            <a:r>
-              <a:rPr lang="zh-CN" altLang="en-US" dirty="0"/>
-              <a:t>图像分割</a:t>
-            </a:r>
-            <a:endParaRPr lang="en-US" altLang="zh-CN" dirty="0"/>
-          </a:p>
-          <a:p>
-            <a:pPr lvl="1"/>
-            <a:r>
-              <a:rPr lang="zh-CN" altLang="en-US" dirty="0"/>
-              <a:t>推荐系统</a:t>
-            </a:r>
-            <a:endParaRPr lang="en-US" altLang="zh-CN" dirty="0"/>
-          </a:p>
-          <a:p>
-            <a:pPr lvl="1"/>
-            <a:r>
-              <a:rPr lang="zh-CN" altLang="en-US" dirty="0"/>
-              <a:t>消除歧义</a:t>
-            </a:r>
-            <a:r>
-              <a:rPr lang="en-US" altLang="zh-CN" dirty="0"/>
-              <a:t>(</a:t>
-            </a:r>
-            <a:r>
-              <a:rPr lang="zh-CN" altLang="en-US" dirty="0"/>
-              <a:t>自然语言处理</a:t>
-            </a:r>
-            <a:r>
-              <a:rPr lang="en-US" altLang="zh-CN" dirty="0"/>
-              <a:t>)</a:t>
-            </a:r>
-          </a:p>
-          <a:p>
-            <a:pPr lvl="1"/>
-            <a:r>
-              <a:rPr lang="en-US" altLang="zh-CN" dirty="0"/>
-              <a:t>……</a:t>
-            </a:r>
-          </a:p>
-          <a:p>
-            <a:pPr lvl="1"/>
-            <a:endParaRPr lang="en-US" dirty="0"/>
-          </a:p>
-        </p:txBody>
-      </p:sp>
-    </p:spTree>
-    <p:extLst>
-      <p:ext uri="{BB962C8B-B14F-4D97-AF65-F5344CB8AC3E}">
-        <p14:creationId xmlns:p14="http://schemas.microsoft.com/office/powerpoint/2010/main" val="1121333738"/>
-      </p:ext>
-    </p:extLst>
-  </p:cSld>
-  <p:clrMapOvr>
-    <a:masterClrMapping/>
-  </p:clrMapOvr>
-</p:sld>
-</file>
-
-<file path=ppt/slides/slide3.xml><?xml version="1.0" encoding="utf-8"?>
-<p:sld xmlns:a="http://schemas.openxmlformats.org/drawingml/2006/main" xmlns:r="http://schemas.openxmlformats.org/officeDocument/2006/relationships" xmlns:p="http://schemas.openxmlformats.org/presentationml/2006/main">
-  <p:cSld>
-    <p:spTree>
-      <p:nvGrpSpPr>
-        <p:cNvPr id="1" name=""/>
-        <p:cNvGrpSpPr/>
-        <p:nvPr/>
-      </p:nvGrpSpPr>
-      <p:grpSpPr>
-        <a:xfrm>
-          <a:off x="0" y="0"/>
-          <a:ext cx="0" cy="0"/>
-          <a:chOff x="0" y="0"/>
-          <a:chExt cx="0" cy="0"/>
-        </a:xfrm>
-      </p:grpSpPr>
-      <p:sp>
-        <p:nvSpPr>
-          <p:cNvPr id="2" name="Title 1"/>
-          <p:cNvSpPr>
-            <a:spLocks noGrp="1"/>
-          </p:cNvSpPr>
-          <p:nvPr>
-            <p:ph type="title"/>
-          </p:nvPr>
-        </p:nvSpPr>
         <p:spPr>
           <a:xfrm>
             <a:off x="614855" y="-97330"/>
@@ -3771,6 +3603,152 @@
 </p:sld>
 </file>
 
+<file path=ppt/slides/slide3.xml><?xml version="1.0" encoding="utf-8"?>
+<p:sld xmlns:a="http://schemas.openxmlformats.org/drawingml/2006/main" xmlns:r="http://schemas.openxmlformats.org/officeDocument/2006/relationships" xmlns:p="http://schemas.openxmlformats.org/presentationml/2006/main">
+  <p:cSld>
+    <p:spTree>
+      <p:nvGrpSpPr>
+        <p:cNvPr id="1" name=""/>
+        <p:cNvGrpSpPr/>
+        <p:nvPr/>
+      </p:nvGrpSpPr>
+      <p:grpSpPr>
+        <a:xfrm>
+          <a:off x="0" y="0"/>
+          <a:ext cx="0" cy="0"/>
+          <a:chOff x="0" y="0"/>
+          <a:chExt cx="0" cy="0"/>
+        </a:xfrm>
+      </p:grpSpPr>
+      <p:sp>
+        <p:nvSpPr>
+          <p:cNvPr id="2" name="Title 1"/>
+          <p:cNvSpPr>
+            <a:spLocks noGrp="1"/>
+          </p:cNvSpPr>
+          <p:nvPr>
+            <p:ph type="title"/>
+          </p:nvPr>
+        </p:nvSpPr>
+        <p:spPr/>
+        <p:txBody>
+          <a:bodyPr/>
+          <a:lstStyle/>
+          <a:p>
+            <a:r>
+              <a:rPr lang="zh-CN" altLang="en-US" dirty="0"/>
+              <a:t>非监督式机器学习</a:t>
+            </a:r>
+            <a:r>
+              <a:rPr lang="en-US" altLang="zh-CN" dirty="0"/>
+              <a:t>(</a:t>
+            </a:r>
+            <a:r>
+              <a:rPr lang="zh-CN" altLang="en-US" dirty="0"/>
+              <a:t>降纬</a:t>
+            </a:r>
+            <a:r>
+              <a:rPr lang="en-US" altLang="zh-CN" dirty="0"/>
+              <a:t>)</a:t>
+            </a:r>
+            <a:endParaRPr lang="en-US" dirty="0"/>
+          </a:p>
+        </p:txBody>
+      </p:sp>
+      <p:sp>
+        <p:nvSpPr>
+          <p:cNvPr id="3" name="Content Placeholder 2"/>
+          <p:cNvSpPr>
+            <a:spLocks noGrp="1"/>
+          </p:cNvSpPr>
+          <p:nvPr>
+            <p:ph idx="1"/>
+          </p:nvPr>
+        </p:nvSpPr>
+        <p:spPr/>
+        <p:txBody>
+          <a:bodyPr/>
+          <a:lstStyle/>
+          <a:p>
+            <a:r>
+              <a:rPr lang="zh-CN" altLang="en-US" dirty="0"/>
+              <a:t>应用领域</a:t>
+            </a:r>
+            <a:endParaRPr lang="en-US" altLang="zh-CN" dirty="0"/>
+          </a:p>
+          <a:p>
+            <a:pPr lvl="1"/>
+            <a:r>
+              <a:rPr lang="zh-CN" altLang="en-US" dirty="0"/>
+              <a:t>数字图像</a:t>
+            </a:r>
+            <a:r>
+              <a:rPr lang="en-US" altLang="zh-CN" dirty="0"/>
+              <a:t>/</a:t>
+            </a:r>
+            <a:r>
+              <a:rPr lang="zh-CN" altLang="en-US" dirty="0"/>
+              <a:t>视频有损压缩</a:t>
+            </a:r>
+            <a:r>
+              <a:rPr lang="en-US" altLang="zh-CN" dirty="0"/>
+              <a:t>(jpg,</a:t>
+            </a:r>
+            <a:r>
+              <a:rPr lang="zh-CN" altLang="en-US" dirty="0"/>
+              <a:t> </a:t>
+            </a:r>
+            <a:r>
+              <a:rPr lang="en-US" altLang="zh-CN" dirty="0"/>
+              <a:t>mp4)</a:t>
+            </a:r>
+          </a:p>
+          <a:p>
+            <a:pPr lvl="1"/>
+            <a:r>
+              <a:rPr lang="zh-CN" altLang="en-US" dirty="0"/>
+              <a:t>数据可视化</a:t>
+            </a:r>
+            <a:endParaRPr lang="en-US" altLang="zh-CN" dirty="0"/>
+          </a:p>
+          <a:p>
+            <a:pPr lvl="1"/>
+            <a:r>
+              <a:rPr lang="zh-CN" altLang="en-US" dirty="0"/>
+              <a:t>数据分析</a:t>
+            </a:r>
+            <a:endParaRPr lang="en-US" altLang="zh-CN" dirty="0"/>
+          </a:p>
+          <a:p>
+            <a:pPr lvl="1"/>
+            <a:r>
+              <a:rPr lang="zh-CN" altLang="en-US" dirty="0"/>
+              <a:t>数据预处理</a:t>
+            </a:r>
+            <a:endParaRPr lang="en-US" altLang="zh-CN" dirty="0"/>
+          </a:p>
+          <a:p>
+            <a:pPr lvl="1"/>
+            <a:r>
+              <a:rPr lang="en-US" altLang="zh-CN" dirty="0"/>
+              <a:t>……</a:t>
+            </a:r>
+          </a:p>
+        </p:txBody>
+      </p:sp>
+    </p:spTree>
+    <p:extLst>
+      <p:ext uri="{BB962C8B-B14F-4D97-AF65-F5344CB8AC3E}">
+        <p14:creationId xmlns:p14="http://schemas.microsoft.com/office/powerpoint/2010/main" val="3632229346"/>
+      </p:ext>
+    </p:extLst>
+  </p:cSld>
+  <p:clrMapOvr>
+    <a:masterClrMapping/>
+  </p:clrMapOvr>
+</p:sld>
+</file>
+
 <file path=ppt/slides/slide4.xml><?xml version="1.0" encoding="utf-8"?>
 <p:sld xmlns:a="http://schemas.openxmlformats.org/drawingml/2006/main" xmlns:r="http://schemas.openxmlformats.org/officeDocument/2006/relationships" xmlns:p="http://schemas.openxmlformats.org/presentationml/2006/main">
   <p:cSld>
@@ -3798,7 +3776,12 @@
             <p:ph type="title"/>
           </p:nvPr>
         </p:nvSpPr>
-        <p:spPr/>
+        <p:spPr>
+          <a:xfrm>
+            <a:off x="573054" y="-261883"/>
+            <a:ext cx="10515600" cy="1325563"/>
+          </a:xfrm>
+        </p:spPr>
         <p:txBody>
           <a:bodyPr/>
           <a:lstStyle/>
@@ -3813,7 +3796,7 @@
             </a:r>
             <a:r>
               <a:rPr lang="zh-CN" altLang="en-US" dirty="0"/>
-              <a:t>降纬</a:t>
+              <a:t>异常检测</a:t>
             </a:r>
             <a:r>
               <a:rPr lang="en-US" altLang="zh-CN" dirty="0"/>
@@ -3833,73 +3816,92 @@
             <p:ph idx="1"/>
           </p:nvPr>
         </p:nvSpPr>
-        <p:spPr/>
+        <p:spPr>
+          <a:xfrm>
+            <a:off x="471652" y="735724"/>
+            <a:ext cx="11059510" cy="4351338"/>
+          </a:xfrm>
+        </p:spPr>
         <p:txBody>
           <a:bodyPr/>
           <a:lstStyle/>
           <a:p>
             <a:r>
               <a:rPr lang="zh-CN" altLang="en-US" dirty="0"/>
-              <a:t>应用领域</a:t>
-            </a:r>
-            <a:endParaRPr lang="en-US" altLang="zh-CN" dirty="0"/>
-          </a:p>
-          <a:p>
-            <a:pPr lvl="1"/>
-            <a:r>
-              <a:rPr lang="zh-CN" altLang="en-US" dirty="0"/>
-              <a:t>数字图像</a:t>
-            </a:r>
-            <a:r>
-              <a:rPr lang="en-US" altLang="zh-CN" dirty="0"/>
-              <a:t>/</a:t>
-            </a:r>
-            <a:r>
-              <a:rPr lang="zh-CN" altLang="en-US" dirty="0"/>
-              <a:t>视频有损压缩</a:t>
-            </a:r>
-            <a:r>
-              <a:rPr lang="en-US" altLang="zh-CN" dirty="0"/>
-              <a:t>(jpg,</a:t>
-            </a:r>
-            <a:r>
-              <a:rPr lang="zh-CN" altLang="en-US" dirty="0"/>
+              <a:t>对不匹配预期模式的识别。异常也被称为离群值、新奇、噪声、偏差和例外</a:t>
+            </a:r>
+            <a:endParaRPr lang="en-US" dirty="0"/>
+          </a:p>
+        </p:txBody>
+      </p:sp>
+      <p:pic>
+        <p:nvPicPr>
+          <p:cNvPr id="5" name="Picture 4"/>
+          <p:cNvPicPr>
+            <a:picLocks noChangeAspect="1"/>
+          </p:cNvPicPr>
+          <p:nvPr/>
+        </p:nvPicPr>
+        <p:blipFill>
+          <a:blip r:embed="rId2"/>
+          <a:stretch>
+            <a:fillRect/>
+          </a:stretch>
+        </p:blipFill>
+        <p:spPr>
+          <a:xfrm>
+            <a:off x="1600003" y="1493225"/>
+            <a:ext cx="8801057" cy="4240924"/>
+          </a:xfrm>
+          <a:prstGeom prst="rect">
+            <a:avLst/>
+          </a:prstGeom>
+        </p:spPr>
+      </p:pic>
+      <p:sp>
+        <p:nvSpPr>
+          <p:cNvPr id="6" name="Rectangle 5"/>
+          <p:cNvSpPr/>
+          <p:nvPr/>
+        </p:nvSpPr>
+        <p:spPr>
+          <a:xfrm>
+            <a:off x="573054" y="5900026"/>
+            <a:ext cx="10856706" cy="521970"/>
+          </a:xfrm>
+          <a:prstGeom prst="rect">
+            <a:avLst/>
+          </a:prstGeom>
+        </p:spPr>
+        <p:txBody>
+          <a:bodyPr wrap="square">
+            <a:spAutoFit/>
+          </a:bodyPr>
+          <a:lstStyle/>
+          <a:p>
+            <a:r>
+              <a:rPr lang="zh-CN" altLang="en-US" sz="1400" dirty="0">
+                <a:hlinkClick r:id="rId3"/>
+              </a:rPr>
+              <a:t>参考</a:t>
+            </a:r>
+            <a:r>
+              <a:rPr lang="en-US" altLang="zh-CN" sz="1400" dirty="0">
+                <a:hlinkClick r:id="rId3"/>
+              </a:rPr>
+              <a:t>:</a:t>
+            </a:r>
+            <a:r>
+              <a:rPr lang="zh-CN" altLang="en-US" sz="1400" dirty="0">
+                <a:hlinkClick r:id="rId3"/>
+              </a:rPr>
               <a:t> </a:t>
             </a:r>
             <a:r>
-              <a:rPr lang="en-US" altLang="zh-CN" dirty="0"/>
-              <a:t>mp4)</a:t>
-            </a:r>
-          </a:p>
-          <a:p>
-            <a:pPr lvl="1"/>
-            <a:r>
-              <a:rPr lang="zh-CN" altLang="en-US" dirty="0"/>
-              <a:t>数据可视化</a:t>
-            </a:r>
-            <a:endParaRPr lang="en-US" altLang="zh-CN" dirty="0"/>
-          </a:p>
-          <a:p>
-            <a:pPr lvl="1"/>
-            <a:r>
-              <a:rPr lang="zh-CN" altLang="en-US" dirty="0"/>
-              <a:t>数据分析</a:t>
-            </a:r>
-            <a:endParaRPr lang="en-US" altLang="zh-CN" dirty="0"/>
-          </a:p>
-          <a:p>
-            <a:pPr lvl="1"/>
-            <a:r>
-              <a:rPr lang="zh-CN" altLang="en-US" dirty="0"/>
-              <a:t>数据预处理</a:t>
-            </a:r>
-            <a:endParaRPr lang="en-US" altLang="zh-CN" dirty="0"/>
-          </a:p>
-          <a:p>
-            <a:pPr lvl="1"/>
-            <a:r>
-              <a:rPr lang="en-US" altLang="zh-CN" dirty="0"/>
-              <a:t>……</a:t>
+              <a:rPr lang="en-US" sz="1400" dirty="0">
+                <a:hlinkClick r:id="rId3"/>
+              </a:rPr>
+              <a:t>https://www.semanticscholar.org/paper/Regression-based-Online-Anomaly-Detection-for-Smart-Liu-Nielsen/da02259c0ef6c4e83f3832d8f26c17ab80a3c98c/figure/0</a:t>
             </a:r>
           </a:p>
         </p:txBody>
@@ -3907,7 +3909,7 @@
     </p:spTree>
     <p:extLst>
       <p:ext uri="{BB962C8B-B14F-4D97-AF65-F5344CB8AC3E}">
-        <p14:creationId xmlns:p14="http://schemas.microsoft.com/office/powerpoint/2010/main" val="3632229346"/>
+        <p14:creationId xmlns:p14="http://schemas.microsoft.com/office/powerpoint/2010/main" val="3439392917"/>
       </p:ext>
     </p:extLst>
   </p:cSld>
@@ -3944,12 +3946,7 @@
             <p:ph type="title"/>
           </p:nvPr>
         </p:nvSpPr>
-        <p:spPr>
-          <a:xfrm>
-            <a:off x="573054" y="-261883"/>
-            <a:ext cx="10515600" cy="1325563"/>
-          </a:xfrm>
-        </p:spPr>
+        <p:spPr/>
         <p:txBody>
           <a:bodyPr/>
           <a:lstStyle/>
@@ -3984,92 +3981,84 @@
             <p:ph idx="1"/>
           </p:nvPr>
         </p:nvSpPr>
-        <p:spPr>
-          <a:xfrm>
-            <a:off x="471652" y="735724"/>
-            <a:ext cx="11059510" cy="4351338"/>
-          </a:xfrm>
-        </p:spPr>
+        <p:spPr/>
         <p:txBody>
           <a:bodyPr/>
           <a:lstStyle/>
           <a:p>
             <a:r>
               <a:rPr lang="zh-CN" altLang="en-US" dirty="0"/>
-              <a:t>对不匹配预期模式的识别。异常也被称为离群值、新奇、噪声、偏差和例外</a:t>
-            </a:r>
-            <a:endParaRPr lang="en-US" dirty="0"/>
-          </a:p>
-        </p:txBody>
-      </p:sp>
-      <p:pic>
-        <p:nvPicPr>
-          <p:cNvPr id="5" name="Picture 4"/>
-          <p:cNvPicPr>
-            <a:picLocks noChangeAspect="1"/>
-          </p:cNvPicPr>
-          <p:nvPr/>
-        </p:nvPicPr>
-        <p:blipFill>
-          <a:blip r:embed="rId2"/>
-          <a:stretch>
-            <a:fillRect/>
-          </a:stretch>
-        </p:blipFill>
-        <p:spPr>
-          <a:xfrm>
-            <a:off x="1600003" y="1493225"/>
-            <a:ext cx="8801057" cy="4240924"/>
-          </a:xfrm>
-          <a:prstGeom prst="rect">
-            <a:avLst/>
-          </a:prstGeom>
-        </p:spPr>
-      </p:pic>
-      <p:sp>
-        <p:nvSpPr>
-          <p:cNvPr id="6" name="Rectangle 5"/>
-          <p:cNvSpPr/>
-          <p:nvPr/>
-        </p:nvSpPr>
-        <p:spPr>
-          <a:xfrm>
-            <a:off x="573054" y="5900026"/>
-            <a:ext cx="10856706" cy="521970"/>
-          </a:xfrm>
-          <a:prstGeom prst="rect">
-            <a:avLst/>
-          </a:prstGeom>
-        </p:spPr>
-        <p:txBody>
-          <a:bodyPr wrap="square">
-            <a:spAutoFit/>
-          </a:bodyPr>
-          <a:lstStyle/>
-          <a:p>
-            <a:r>
-              <a:rPr lang="zh-CN" altLang="en-US" sz="1400" dirty="0">
-                <a:hlinkClick r:id="rId3"/>
-              </a:rPr>
-              <a:t>参考</a:t>
-            </a:r>
-            <a:r>
-              <a:rPr lang="en-US" altLang="zh-CN" sz="1400" dirty="0">
-                <a:hlinkClick r:id="rId3"/>
-              </a:rPr>
+              <a:t>应用</a:t>
+            </a:r>
+            <a:r>
+              <a:rPr lang="en-US" altLang="zh-CN" dirty="0"/>
               <a:t>:</a:t>
             </a:r>
-            <a:r>
-              <a:rPr lang="zh-CN" altLang="en-US" sz="1400" dirty="0">
-                <a:hlinkClick r:id="rId3"/>
-              </a:rPr>
-              <a:t> </a:t>
-            </a:r>
-            <a:r>
-              <a:rPr lang="en-US" sz="1400" dirty="0">
-                <a:hlinkClick r:id="rId3"/>
-              </a:rPr>
-              <a:t>https://www.semanticscholar.org/paper/Regression-based-Online-Anomaly-Detection-for-Smart-Liu-Nielsen/da02259c0ef6c4e83f3832d8f26c17ab80a3c98c/figure/0</a:t>
+          </a:p>
+          <a:p>
+            <a:pPr lvl="1"/>
+            <a:r>
+              <a:rPr lang="zh-CN" altLang="en-US" dirty="0"/>
+              <a:t>银行欺诈识别</a:t>
+            </a:r>
+            <a:endParaRPr lang="en-US" altLang="zh-CN" dirty="0"/>
+          </a:p>
+          <a:p>
+            <a:pPr lvl="1"/>
+            <a:r>
+              <a:rPr lang="zh-CN" altLang="en-US" dirty="0"/>
+              <a:t>财务数据作假识别</a:t>
+            </a:r>
+            <a:endParaRPr lang="en-US" altLang="zh-CN" dirty="0"/>
+          </a:p>
+          <a:p>
+            <a:pPr lvl="1"/>
+            <a:r>
+              <a:rPr lang="zh-CN" altLang="en-US" dirty="0"/>
+              <a:t>结构缺陷识别</a:t>
+            </a:r>
+            <a:endParaRPr lang="en-US" altLang="zh-CN" dirty="0"/>
+          </a:p>
+          <a:p>
+            <a:pPr lvl="1"/>
+            <a:r>
+              <a:rPr lang="zh-CN" altLang="en-US" dirty="0"/>
+              <a:t>医疗问题识别</a:t>
+            </a:r>
+            <a:endParaRPr lang="en-US" altLang="zh-CN" dirty="0"/>
+          </a:p>
+          <a:p>
+            <a:pPr lvl="1"/>
+            <a:r>
+              <a:rPr lang="zh-CN" altLang="en-US" dirty="0"/>
+              <a:t>文本错误识别</a:t>
+            </a:r>
+            <a:r>
+              <a:rPr lang="en-US" altLang="zh-CN" dirty="0"/>
+              <a:t>(</a:t>
+            </a:r>
+            <a:r>
+              <a:rPr lang="zh-CN" altLang="en-US" dirty="0"/>
+              <a:t>重复字</a:t>
+            </a:r>
+            <a:r>
+              <a:rPr lang="en-US" altLang="zh-CN" dirty="0"/>
+              <a:t>/</a:t>
+            </a:r>
+            <a:r>
+              <a:rPr lang="zh-CN" altLang="en-US" dirty="0"/>
+              <a:t>词</a:t>
+            </a:r>
+            <a:r>
+              <a:rPr lang="en-US" altLang="zh-CN" dirty="0"/>
+              <a:t>)</a:t>
+            </a:r>
+          </a:p>
+          <a:p>
+            <a:pPr lvl="1"/>
+            <a:r>
+              <a:rPr lang="en-US" altLang="zh-CN" dirty="0"/>
+              <a:t>…….</a:t>
             </a:r>
           </a:p>
         </p:txBody>
@@ -4077,7 +4066,7 @@
     </p:spTree>
     <p:extLst>
       <p:ext uri="{BB962C8B-B14F-4D97-AF65-F5344CB8AC3E}">
-        <p14:creationId xmlns:p14="http://schemas.microsoft.com/office/powerpoint/2010/main" val="3439392917"/>
+        <p14:creationId xmlns:p14="http://schemas.microsoft.com/office/powerpoint/2010/main" val="3038728442"/>
       </p:ext>
     </p:extLst>
   </p:cSld>
@@ -4114,163 +4103,6 @@
             <p:ph type="title"/>
           </p:nvPr>
         </p:nvSpPr>
-        <p:spPr/>
-        <p:txBody>
-          <a:bodyPr/>
-          <a:lstStyle/>
-          <a:p>
-            <a:r>
-              <a:rPr lang="zh-CN" altLang="en-US" dirty="0"/>
-              <a:t>非监督式机器学习</a:t>
-            </a:r>
-            <a:r>
-              <a:rPr lang="en-US" altLang="zh-CN" dirty="0"/>
-              <a:t>(</a:t>
-            </a:r>
-            <a:r>
-              <a:rPr lang="zh-CN" altLang="en-US" dirty="0"/>
-              <a:t>异常检测</a:t>
-            </a:r>
-            <a:r>
-              <a:rPr lang="en-US" altLang="zh-CN" dirty="0"/>
-              <a:t>)</a:t>
-            </a:r>
-            <a:endParaRPr lang="en-US" dirty="0"/>
-          </a:p>
-        </p:txBody>
-      </p:sp>
-      <p:sp>
-        <p:nvSpPr>
-          <p:cNvPr id="3" name="Content Placeholder 2"/>
-          <p:cNvSpPr>
-            <a:spLocks noGrp="1"/>
-          </p:cNvSpPr>
-          <p:nvPr>
-            <p:ph idx="1"/>
-          </p:nvPr>
-        </p:nvSpPr>
-        <p:spPr/>
-        <p:txBody>
-          <a:bodyPr/>
-          <a:lstStyle/>
-          <a:p>
-            <a:r>
-              <a:rPr lang="zh-CN" altLang="en-US" dirty="0"/>
-              <a:t>应用</a:t>
-            </a:r>
-            <a:r>
-              <a:rPr lang="en-US" altLang="zh-CN" dirty="0"/>
-              <a:t>:</a:t>
-            </a:r>
-          </a:p>
-          <a:p>
-            <a:pPr lvl="1"/>
-            <a:r>
-              <a:rPr lang="zh-CN" altLang="en-US" dirty="0"/>
-              <a:t>银行欺诈识别</a:t>
-            </a:r>
-            <a:endParaRPr lang="en-US" altLang="zh-CN" dirty="0"/>
-          </a:p>
-          <a:p>
-            <a:pPr lvl="1"/>
-            <a:r>
-              <a:rPr lang="zh-CN" altLang="en-US" dirty="0"/>
-              <a:t>财务数据作假识别</a:t>
-            </a:r>
-            <a:endParaRPr lang="en-US" altLang="zh-CN" dirty="0"/>
-          </a:p>
-          <a:p>
-            <a:pPr lvl="1"/>
-            <a:r>
-              <a:rPr lang="zh-CN" altLang="en-US" dirty="0"/>
-              <a:t>结构缺陷识别</a:t>
-            </a:r>
-            <a:endParaRPr lang="en-US" altLang="zh-CN" dirty="0"/>
-          </a:p>
-          <a:p>
-            <a:pPr lvl="1"/>
-            <a:r>
-              <a:rPr lang="zh-CN" altLang="en-US" dirty="0"/>
-              <a:t>医疗问题识别</a:t>
-            </a:r>
-            <a:endParaRPr lang="en-US" altLang="zh-CN" dirty="0"/>
-          </a:p>
-          <a:p>
-            <a:pPr lvl="1"/>
-            <a:r>
-              <a:rPr lang="zh-CN" altLang="en-US" dirty="0"/>
-              <a:t>文本错误识别</a:t>
-            </a:r>
-            <a:r>
-              <a:rPr lang="en-US" altLang="zh-CN" dirty="0"/>
-              <a:t>(</a:t>
-            </a:r>
-            <a:r>
-              <a:rPr lang="zh-CN" altLang="en-US" dirty="0"/>
-              <a:t>重复字</a:t>
-            </a:r>
-            <a:r>
-              <a:rPr lang="en-US" altLang="zh-CN" dirty="0"/>
-              <a:t>/</a:t>
-            </a:r>
-            <a:r>
-              <a:rPr lang="zh-CN" altLang="en-US" dirty="0"/>
-              <a:t>词</a:t>
-            </a:r>
-            <a:r>
-              <a:rPr lang="en-US" altLang="zh-CN" dirty="0"/>
-              <a:t>)</a:t>
-            </a:r>
-          </a:p>
-          <a:p>
-            <a:pPr lvl="1"/>
-            <a:r>
-              <a:rPr lang="en-US" altLang="zh-CN" dirty="0"/>
-              <a:t>…….</a:t>
-            </a:r>
-          </a:p>
-        </p:txBody>
-      </p:sp>
-    </p:spTree>
-    <p:extLst>
-      <p:ext uri="{BB962C8B-B14F-4D97-AF65-F5344CB8AC3E}">
-        <p14:creationId xmlns:p14="http://schemas.microsoft.com/office/powerpoint/2010/main" val="3038728442"/>
-      </p:ext>
-    </p:extLst>
-  </p:cSld>
-  <p:clrMapOvr>
-    <a:masterClrMapping/>
-  </p:clrMapOvr>
-</p:sld>
-</file>
-
-<file path=ppt/slides/slide7.xml><?xml version="1.0" encoding="utf-8"?>
-<p:sld xmlns:a="http://schemas.openxmlformats.org/drawingml/2006/main" xmlns:r="http://schemas.openxmlformats.org/officeDocument/2006/relationships" xmlns:p="http://schemas.openxmlformats.org/presentationml/2006/main">
-  <p:cSld>
-    <p:spTree>
-      <p:nvGrpSpPr>
-        <p:cNvPr id="1" name=""/>
-        <p:cNvGrpSpPr/>
-        <p:nvPr/>
-      </p:nvGrpSpPr>
-      <p:grpSpPr>
-        <a:xfrm>
-          <a:off x="0" y="0"/>
-          <a:ext cx="0" cy="0"/>
-          <a:chOff x="0" y="0"/>
-          <a:chExt cx="0" cy="0"/>
-        </a:xfrm>
-      </p:grpSpPr>
-      <p:sp>
-        <p:nvSpPr>
-          <p:cNvPr id="2" name="Title 1"/>
-          <p:cNvSpPr>
-            <a:spLocks noGrp="1"/>
-          </p:cNvSpPr>
-          <p:nvPr>
-            <p:ph type="title"/>
-          </p:nvPr>
-        </p:nvSpPr>
         <p:spPr>
           <a:xfrm>
             <a:off x="838200" y="-276006"/>
@@ -4438,7 +4270,7 @@
 </p:sld>
 </file>
 
-<file path=ppt/slides/slide8.xml><?xml version="1.0" encoding="utf-8"?>
+<file path=ppt/slides/slide7.xml><?xml version="1.0" encoding="utf-8"?>
 <p:sld xmlns:a="http://schemas.openxmlformats.org/drawingml/2006/main" xmlns:r="http://schemas.openxmlformats.org/officeDocument/2006/relationships" xmlns:p="http://schemas.openxmlformats.org/presentationml/2006/main">
   <p:cSld>
     <p:spTree>
